--- a/rq_newwwww.pptx
+++ b/rq_newwwww.pptx
@@ -151,6 +151,35 @@
 </p:presentation>
 </file>
 
+<file path=ppt/changesInfos/changesInfo1.xml><?xml version="1.0" encoding="utf-8"?>
+<pc:chgInfo xmlns:a="http://schemas.openxmlformats.org/drawingml/2006/main" xmlns:r="http://schemas.openxmlformats.org/officeDocument/2006/relationships" xmlns:ac="http://schemas.microsoft.com/office/drawing/2013/main/command" xmlns:pc="http://schemas.microsoft.com/office/powerpoint/2013/main/command">
+  <pc:docChgLst>
+    <pc:chgData name="Gowri Shankar Kamalakshan Sugandhi [Student-PECS]" userId="014eec82-fc6d-403c-9297-02b5fe4795f7" providerId="ADAL" clId="{B02053F0-7DB4-472A-828C-889923690BF7}"/>
+    <pc:docChg chg="modSld">
+      <pc:chgData name="Gowri Shankar Kamalakshan Sugandhi [Student-PECS]" userId="014eec82-fc6d-403c-9297-02b5fe4795f7" providerId="ADAL" clId="{B02053F0-7DB4-472A-828C-889923690BF7}" dt="2024-11-21T15:47:51.665" v="13" actId="20577"/>
+      <pc:docMkLst>
+        <pc:docMk/>
+      </pc:docMkLst>
+      <pc:sldChg chg="modSp mod">
+        <pc:chgData name="Gowri Shankar Kamalakshan Sugandhi [Student-PECS]" userId="014eec82-fc6d-403c-9297-02b5fe4795f7" providerId="ADAL" clId="{B02053F0-7DB4-472A-828C-889923690BF7}" dt="2024-11-21T15:47:51.665" v="13" actId="20577"/>
+        <pc:sldMkLst>
+          <pc:docMk/>
+          <pc:sldMk cId="4148532546" sldId="289"/>
+        </pc:sldMkLst>
+        <pc:spChg chg="mod">
+          <ac:chgData name="Gowri Shankar Kamalakshan Sugandhi [Student-PECS]" userId="014eec82-fc6d-403c-9297-02b5fe4795f7" providerId="ADAL" clId="{B02053F0-7DB4-472A-828C-889923690BF7}" dt="2024-11-21T15:47:51.665" v="13" actId="20577"/>
+          <ac:spMkLst>
+            <pc:docMk/>
+            <pc:sldMk cId="4148532546" sldId="289"/>
+            <ac:spMk id="3" creationId="{8275DA97-5166-7F4B-BC83-F50AC8BEDCD7}"/>
+          </ac:spMkLst>
+        </pc:spChg>
+      </pc:sldChg>
+    </pc:docChg>
+  </pc:docChgLst>
+</pc:chgInfo>
+</file>
+
 <file path=ppt/handoutMasters/handoutMaster1.xml><?xml version="1.0" encoding="utf-8"?>
 <p:handoutMaster xmlns:a="http://schemas.openxmlformats.org/drawingml/2006/main" xmlns:r="http://schemas.openxmlformats.org/officeDocument/2006/relationships" xmlns:p="http://schemas.openxmlformats.org/presentationml/2006/main">
   <p:cSld>
@@ -246,7 +275,7 @@
             <a:fld id="{93FAAC3A-BD1F-4A00-9099-74B95789FE00}" type="datetimeFigureOut">
               <a:rPr lang="en-GB" smtClean="0"/>
               <a:pPr/>
-              <a:t>18/11/2024</a:t>
+              <a:t>21/11/2024</a:t>
             </a:fld>
             <a:endParaRPr lang="en-GB"/>
           </a:p>
@@ -425,7 +454,7 @@
             <a:fld id="{8E359C8A-39F6-4045-9163-4042C4C26B15}" type="datetimeFigureOut">
               <a:rPr lang="en-GB" smtClean="0"/>
               <a:pPr/>
-              <a:t>18/11/2024</a:t>
+              <a:t>21/11/2024</a:t>
             </a:fld>
             <a:endParaRPr lang="en-GB"/>
           </a:p>
@@ -5009,7 +5038,7 @@
               <a:t> </a:t>
             </a:r>
             <a:r>
-              <a:rPr lang="en-IN" sz="1800" dirty="0">
+              <a:rPr lang="en-IN" sz="1800">
                 <a:latin typeface="Lato Extended"/>
               </a:rPr>
               <a:t>Gowri Shankar </a:t>
